--- a/Courses/Applied-Programmer/Programming-Fundamentals/05-Символни-низове/23.Символни-низове-други-операции.pptx
+++ b/Courses/Applied-Programmer/Programming-Fundamentals/05-Символни-низове/23.Символни-низове-други-операции.pptx
@@ -335,7 +335,7 @@
             <a:fld id="{FE5B4EDC-59C0-49C7-8ADA-5A781B329E02}" type="datetimeFigureOut">
               <a:rPr lang="en-US"/>
               <a:pPr/>
-              <a:t>13-Nov-20</a:t>
+              <a:t>19-Nov-20</a:t>
             </a:fld>
             <a:endParaRPr dirty="0"/>
           </a:p>
@@ -633,7 +633,7 @@
             <a:fld id="{F2D8D46A-B586-417D-BFBD-8C8FE0AAF762}" type="datetimeFigureOut">
               <a:rPr lang="en-US" smtClean="0"/>
               <a:pPr/>
-              <a:t>13-Nov-20</a:t>
+              <a:t>19-Nov-20</a:t>
             </a:fld>
             <a:endParaRPr lang="en-US" dirty="0"/>
           </a:p>
@@ -3809,10 +3809,10 @@
         </p:nvGrpSpPr>
         <p:grpSpPr>
           <a:xfrm>
-            <a:off x="760412" y="3583505"/>
-            <a:ext cx="5043827" cy="2524722"/>
-            <a:chOff x="745783" y="3624633"/>
-            <a:chExt cx="5043827" cy="2524722"/>
+            <a:off x="254367" y="3583505"/>
+            <a:ext cx="5549872" cy="2727668"/>
+            <a:chOff x="239738" y="3624633"/>
+            <a:chExt cx="5549872" cy="2727668"/>
           </a:xfrm>
         </p:grpSpPr>
         <p:pic>
@@ -3869,7 +3869,7 @@
           </p:blipFill>
           <p:spPr bwMode="auto">
             <a:xfrm>
-              <a:off x="745783" y="4076772"/>
+              <a:off x="276466" y="4383473"/>
               <a:ext cx="2175525" cy="761165"/>
             </a:xfrm>
             <a:prstGeom prst="roundRect">
@@ -3908,7 +3908,7 @@
           </p:nvSpPr>
           <p:spPr bwMode="auto">
             <a:xfrm>
-              <a:off x="760413" y="4998598"/>
+              <a:off x="262518" y="5140823"/>
               <a:ext cx="3187614" cy="444343"/>
             </a:xfrm>
             <a:prstGeom prst="rect">
@@ -4165,7 +4165,7 @@
           </p:nvSpPr>
           <p:spPr bwMode="auto">
             <a:xfrm>
-              <a:off x="760412" y="5403725"/>
+              <a:off x="239738" y="5571783"/>
               <a:ext cx="3187613" cy="382788"/>
             </a:xfrm>
             <a:prstGeom prst="rect">
@@ -4421,7 +4421,7 @@
           </p:nvSpPr>
           <p:spPr bwMode="auto">
             <a:xfrm>
-              <a:off x="760412" y="5690893"/>
+              <a:off x="244025" y="5893839"/>
               <a:ext cx="3810000" cy="458462"/>
             </a:xfrm>
             <a:prstGeom prst="rect">
@@ -4662,6 +4662,141 @@
           </p:txBody>
         </p:sp>
       </p:grpSp>
+      <p:sp>
+        <p:nvSpPr>
+          <p:cNvPr id="13" name="Text Placeholder 11">
+            <a:extLst>
+              <a:ext uri="{FF2B5EF4-FFF2-40B4-BE49-F238E27FC236}">
+                <a16:creationId xmlns:a16="http://schemas.microsoft.com/office/drawing/2014/main" id="{32640200-F1CF-47C5-A233-6E23466EEC9F}"/>
+              </a:ext>
+            </a:extLst>
+          </p:cNvPr>
+          <p:cNvSpPr txBox="1">
+            <a:spLocks/>
+          </p:cNvSpPr>
+          <p:nvPr/>
+        </p:nvSpPr>
+        <p:spPr bwMode="auto">
+          <a:xfrm>
+            <a:off x="258654" y="6285055"/>
+            <a:ext cx="11885613" cy="349702"/>
+          </a:xfrm>
+          <a:prstGeom prst="rect">
+            <a:avLst/>
+          </a:prstGeom>
+          <a:noFill/>
+          <a:effectLst/>
+        </p:spPr>
+        <p:txBody>
+          <a:bodyPr vert="horz" wrap="square" lIns="36000" tIns="36000" rIns="36000" bIns="36000" rtlCol="0" anchor="ctr" anchorCtr="0">
+            <a:spAutoFit/>
+          </a:bodyPr>
+          <a:lstStyle>
+            <a:defPPr>
+              <a:defRPr lang="en-US"/>
+            </a:defPPr>
+            <a:lvl1pPr marL="0" algn="l" defTabSz="1218987" rtl="0" eaLnBrk="1" latinLnBrk="0" hangingPunct="1">
+              <a:defRPr sz="2400" kern="1200">
+                <a:solidFill>
+                  <a:schemeClr val="tx1"/>
+                </a:solidFill>
+                <a:latin typeface="+mn-lt"/>
+                <a:ea typeface="+mn-ea"/>
+                <a:cs typeface="+mn-cs"/>
+              </a:defRPr>
+            </a:lvl1pPr>
+            <a:lvl2pPr marL="609493" algn="l" defTabSz="1218987" rtl="0" eaLnBrk="1" latinLnBrk="0" hangingPunct="1">
+              <a:defRPr sz="2400" kern="1200">
+                <a:solidFill>
+                  <a:schemeClr val="tx1"/>
+                </a:solidFill>
+                <a:latin typeface="+mn-lt"/>
+                <a:ea typeface="+mn-ea"/>
+                <a:cs typeface="+mn-cs"/>
+              </a:defRPr>
+            </a:lvl2pPr>
+            <a:lvl3pPr marL="1218987" algn="l" defTabSz="1218987" rtl="0" eaLnBrk="1" latinLnBrk="0" hangingPunct="1">
+              <a:defRPr sz="2400" kern="1200">
+                <a:solidFill>
+                  <a:schemeClr val="tx1"/>
+                </a:solidFill>
+                <a:latin typeface="+mn-lt"/>
+                <a:ea typeface="+mn-ea"/>
+                <a:cs typeface="+mn-cs"/>
+              </a:defRPr>
+            </a:lvl3pPr>
+            <a:lvl4pPr marL="1828480" algn="l" defTabSz="1218987" rtl="0" eaLnBrk="1" latinLnBrk="0" hangingPunct="1">
+              <a:defRPr sz="2400" kern="1200">
+                <a:solidFill>
+                  <a:schemeClr val="tx1"/>
+                </a:solidFill>
+                <a:latin typeface="+mn-lt"/>
+                <a:ea typeface="+mn-ea"/>
+                <a:cs typeface="+mn-cs"/>
+              </a:defRPr>
+            </a:lvl4pPr>
+            <a:lvl5pPr marL="2437973" algn="l" defTabSz="1218987" rtl="0" eaLnBrk="1" latinLnBrk="0" hangingPunct="1">
+              <a:defRPr sz="2400" kern="1200">
+                <a:solidFill>
+                  <a:schemeClr val="tx1"/>
+                </a:solidFill>
+                <a:latin typeface="+mn-lt"/>
+                <a:ea typeface="+mn-ea"/>
+                <a:cs typeface="+mn-cs"/>
+              </a:defRPr>
+            </a:lvl5pPr>
+            <a:lvl6pPr marL="3047467" algn="l" defTabSz="1218987" rtl="0" eaLnBrk="1" latinLnBrk="0" hangingPunct="1">
+              <a:defRPr sz="2400" kern="1200">
+                <a:solidFill>
+                  <a:schemeClr val="tx1"/>
+                </a:solidFill>
+                <a:latin typeface="+mn-lt"/>
+                <a:ea typeface="+mn-ea"/>
+                <a:cs typeface="+mn-cs"/>
+              </a:defRPr>
+            </a:lvl6pPr>
+            <a:lvl7pPr marL="3656960" algn="l" defTabSz="1218987" rtl="0" eaLnBrk="1" latinLnBrk="0" hangingPunct="1">
+              <a:defRPr sz="2400" kern="1200">
+                <a:solidFill>
+                  <a:schemeClr val="tx1"/>
+                </a:solidFill>
+                <a:latin typeface="+mn-lt"/>
+                <a:ea typeface="+mn-ea"/>
+                <a:cs typeface="+mn-cs"/>
+              </a:defRPr>
+            </a:lvl7pPr>
+            <a:lvl8pPr marL="4266453" algn="l" defTabSz="1218987" rtl="0" eaLnBrk="1" latinLnBrk="0" hangingPunct="1">
+              <a:defRPr sz="2400" kern="1200">
+                <a:solidFill>
+                  <a:schemeClr val="tx1"/>
+                </a:solidFill>
+                <a:latin typeface="+mn-lt"/>
+                <a:ea typeface="+mn-ea"/>
+                <a:cs typeface="+mn-cs"/>
+              </a:defRPr>
+            </a:lvl8pPr>
+            <a:lvl9pPr marL="4875947" algn="l" defTabSz="1218987" rtl="0" eaLnBrk="1" latinLnBrk="0" hangingPunct="1">
+              <a:defRPr sz="2400" kern="1200">
+                <a:solidFill>
+                  <a:schemeClr val="tx1"/>
+                </a:solidFill>
+                <a:latin typeface="+mn-lt"/>
+                <a:ea typeface="+mn-ea"/>
+                <a:cs typeface="+mn-cs"/>
+              </a:defRPr>
+            </a:lvl9pPr>
+          </a:lstStyle>
+          <a:p>
+            <a:r>
+              <a:rPr lang="en-US" sz="1800" b="1" dirty="0">
+                <a:hlinkClick r:id="rId8"/>
+              </a:rPr>
+              <a:t>https://github.com/BG-IT-Edu/School-Programming/tree/main/Courses/Applied-Programmer/Programming-Fundamentals</a:t>
+            </a:r>
+            <a:endParaRPr lang="en-GB" sz="1800" b="1" dirty="0"/>
+          </a:p>
+        </p:txBody>
+      </p:sp>
     </p:spTree>
     <p:extLst>
       <p:ext uri="{BB962C8B-B14F-4D97-AF65-F5344CB8AC3E}">
@@ -7274,32 +7409,18 @@
           <a:lstStyle/>
           <a:p>
             <a:r>
-              <a:rPr lang="bg-BG" dirty="0" smtClean="0"/>
+              <a:rPr lang="bg-BG" dirty="0"/>
               <a:t>Тествайте</a:t>
             </a:r>
             <a:r>
-              <a:rPr lang="en-US" dirty="0" smtClean="0"/>
-              <a:t> </a:t>
-            </a:r>
-            <a:r>
               <a:rPr lang="en-US" dirty="0"/>
-              <a:t>в Judge</a:t>
-            </a:r>
-            <a:r>
-              <a:rPr lang="en-US" dirty="0" smtClean="0"/>
-              <a:t>: </a:t>
-            </a:r>
-            <a:r>
-              <a:rPr lang="en-US" dirty="0" smtClean="0">
-                <a:hlinkClick r:id="rId2"/>
-              </a:rPr>
-              <a:t>https</a:t>
+              <a:t> в Judge: </a:t>
             </a:r>
             <a:r>
               <a:rPr lang="en-US" dirty="0">
                 <a:hlinkClick r:id="rId2"/>
               </a:rPr>
-              <a:t>://judge.softuni.bg/Contests/Practice/Index/2665#3 </a:t>
+              <a:t>https://judge.softuni.bg/Contests/Practice/Index/2665#3 </a:t>
             </a:r>
             <a:endParaRPr lang="en-US" dirty="0"/>
           </a:p>
@@ -8277,32 +8398,18 @@
           <a:lstStyle/>
           <a:p>
             <a:r>
-              <a:rPr lang="bg-BG" sz="2000" dirty="0" smtClean="0"/>
+              <a:rPr lang="bg-BG" sz="2000" dirty="0"/>
               <a:t>Тествайте</a:t>
             </a:r>
             <a:r>
-              <a:rPr lang="en-US" sz="2000" dirty="0" smtClean="0"/>
-              <a:t> </a:t>
-            </a:r>
-            <a:r>
               <a:rPr lang="en-US" sz="2000" dirty="0"/>
-              <a:t>в Judge</a:t>
-            </a:r>
-            <a:r>
-              <a:rPr lang="en-US" sz="2000" dirty="0" smtClean="0"/>
-              <a:t>: </a:t>
-            </a:r>
-            <a:r>
-              <a:rPr lang="en-US" sz="2000" dirty="0" smtClean="0">
-                <a:hlinkClick r:id="rId2"/>
-              </a:rPr>
-              <a:t>https</a:t>
+              <a:t> в Judge: </a:t>
             </a:r>
             <a:r>
               <a:rPr lang="en-US" sz="2000" dirty="0">
                 <a:hlinkClick r:id="rId2"/>
               </a:rPr>
-              <a:t>://judge.softuni.bg/Contests/Practice/Index/2665#3 </a:t>
+              <a:t>https://judge.softuni.bg/Contests/Practice/Index/2665#3 </a:t>
             </a:r>
             <a:endParaRPr lang="en-US" sz="2000" dirty="0"/>
           </a:p>
@@ -11060,7 +11167,7 @@
           <a:p>
             <a:r>
               <a:rPr lang="bg-BG" dirty="0"/>
-              <a:t>Други операции със символни низове</a:t>
+              <a:t>Символни низове</a:t>
             </a:r>
             <a:endParaRPr lang="en-US" dirty="0"/>
           </a:p>
@@ -11068,37 +11175,136 @@
       </p:sp>
       <p:sp>
         <p:nvSpPr>
-          <p:cNvPr id="3" name="Text Placeholder 2"/>
-          <p:cNvSpPr>
-            <a:spLocks noGrp="1"/>
+          <p:cNvPr id="6" name="Text Placeholder 11">
+            <a:extLst>
+              <a:ext uri="{FF2B5EF4-FFF2-40B4-BE49-F238E27FC236}">
+                <a16:creationId xmlns:a16="http://schemas.microsoft.com/office/drawing/2014/main" id="{FCEC9328-8E0E-4E26-9C9B-406A3E0BECA5}"/>
+              </a:ext>
+            </a:extLst>
+          </p:cNvPr>
+          <p:cNvSpPr txBox="1">
+            <a:spLocks/>
           </p:cNvSpPr>
-          <p:nvPr>
-            <p:ph type="body" sz="quarter" idx="10"/>
-          </p:nvPr>
+          <p:nvPr/>
         </p:nvSpPr>
-        <p:spPr>
+        <p:spPr bwMode="auto">
           <a:xfrm>
-            <a:off x="1529384" y="6400802"/>
-            <a:ext cx="10482604" cy="351754"/>
+            <a:off x="303212" y="6400800"/>
+            <a:ext cx="11885613" cy="349702"/>
           </a:xfrm>
+          <a:prstGeom prst="rect">
+            <a:avLst/>
+          </a:prstGeom>
+          <a:noFill/>
+          <a:effectLst/>
         </p:spPr>
         <p:txBody>
-          <a:bodyPr/>
-          <a:lstStyle/>
-          <a:p>
-            <a:r>
-              <a:rPr lang="en-US" dirty="0">
+          <a:bodyPr vert="horz" wrap="square" lIns="36000" tIns="36000" rIns="36000" bIns="36000" rtlCol="0" anchor="ctr" anchorCtr="0">
+            <a:spAutoFit/>
+          </a:bodyPr>
+          <a:lstStyle>
+            <a:defPPr>
+              <a:defRPr lang="en-US"/>
+            </a:defPPr>
+            <a:lvl1pPr marL="0" algn="l" defTabSz="1218987" rtl="0" eaLnBrk="1" latinLnBrk="0" hangingPunct="1">
+              <a:defRPr sz="2400" kern="1200">
+                <a:solidFill>
+                  <a:schemeClr val="tx1"/>
+                </a:solidFill>
+                <a:latin typeface="+mn-lt"/>
+                <a:ea typeface="+mn-ea"/>
+                <a:cs typeface="+mn-cs"/>
+              </a:defRPr>
+            </a:lvl1pPr>
+            <a:lvl2pPr marL="609493" algn="l" defTabSz="1218987" rtl="0" eaLnBrk="1" latinLnBrk="0" hangingPunct="1">
+              <a:defRPr sz="2400" kern="1200">
+                <a:solidFill>
+                  <a:schemeClr val="tx1"/>
+                </a:solidFill>
+                <a:latin typeface="+mn-lt"/>
+                <a:ea typeface="+mn-ea"/>
+                <a:cs typeface="+mn-cs"/>
+              </a:defRPr>
+            </a:lvl2pPr>
+            <a:lvl3pPr marL="1218987" algn="l" defTabSz="1218987" rtl="0" eaLnBrk="1" latinLnBrk="0" hangingPunct="1">
+              <a:defRPr sz="2400" kern="1200">
+                <a:solidFill>
+                  <a:schemeClr val="tx1"/>
+                </a:solidFill>
+                <a:latin typeface="+mn-lt"/>
+                <a:ea typeface="+mn-ea"/>
+                <a:cs typeface="+mn-cs"/>
+              </a:defRPr>
+            </a:lvl3pPr>
+            <a:lvl4pPr marL="1828480" algn="l" defTabSz="1218987" rtl="0" eaLnBrk="1" latinLnBrk="0" hangingPunct="1">
+              <a:defRPr sz="2400" kern="1200">
+                <a:solidFill>
+                  <a:schemeClr val="tx1"/>
+                </a:solidFill>
+                <a:latin typeface="+mn-lt"/>
+                <a:ea typeface="+mn-ea"/>
+                <a:cs typeface="+mn-cs"/>
+              </a:defRPr>
+            </a:lvl4pPr>
+            <a:lvl5pPr marL="2437973" algn="l" defTabSz="1218987" rtl="0" eaLnBrk="1" latinLnBrk="0" hangingPunct="1">
+              <a:defRPr sz="2400" kern="1200">
+                <a:solidFill>
+                  <a:schemeClr val="tx1"/>
+                </a:solidFill>
+                <a:latin typeface="+mn-lt"/>
+                <a:ea typeface="+mn-ea"/>
+                <a:cs typeface="+mn-cs"/>
+              </a:defRPr>
+            </a:lvl5pPr>
+            <a:lvl6pPr marL="3047467" algn="l" defTabSz="1218987" rtl="0" eaLnBrk="1" latinLnBrk="0" hangingPunct="1">
+              <a:defRPr sz="2400" kern="1200">
+                <a:solidFill>
+                  <a:schemeClr val="tx1"/>
+                </a:solidFill>
+                <a:latin typeface="+mn-lt"/>
+                <a:ea typeface="+mn-ea"/>
+                <a:cs typeface="+mn-cs"/>
+              </a:defRPr>
+            </a:lvl6pPr>
+            <a:lvl7pPr marL="3656960" algn="l" defTabSz="1218987" rtl="0" eaLnBrk="1" latinLnBrk="0" hangingPunct="1">
+              <a:defRPr sz="2400" kern="1200">
+                <a:solidFill>
+                  <a:schemeClr val="tx1"/>
+                </a:solidFill>
+                <a:latin typeface="+mn-lt"/>
+                <a:ea typeface="+mn-ea"/>
+                <a:cs typeface="+mn-cs"/>
+              </a:defRPr>
+            </a:lvl7pPr>
+            <a:lvl8pPr marL="4266453" algn="l" defTabSz="1218987" rtl="0" eaLnBrk="1" latinLnBrk="0" hangingPunct="1">
+              <a:defRPr sz="2400" kern="1200">
+                <a:solidFill>
+                  <a:schemeClr val="tx1"/>
+                </a:solidFill>
+                <a:latin typeface="+mn-lt"/>
+                <a:ea typeface="+mn-ea"/>
+                <a:cs typeface="+mn-cs"/>
+              </a:defRPr>
+            </a:lvl8pPr>
+            <a:lvl9pPr marL="4875947" algn="l" defTabSz="1218987" rtl="0" eaLnBrk="1" latinLnBrk="0" hangingPunct="1">
+              <a:defRPr sz="2400" kern="1200">
+                <a:solidFill>
+                  <a:schemeClr val="tx1"/>
+                </a:solidFill>
+                <a:latin typeface="+mn-lt"/>
+                <a:ea typeface="+mn-ea"/>
+                <a:cs typeface="+mn-cs"/>
+              </a:defRPr>
+            </a:lvl9pPr>
+          </a:lstStyle>
+          <a:p>
+            <a:r>
+              <a:rPr lang="en-US" sz="1800" b="1" dirty="0">
                 <a:hlinkClick r:id="rId3"/>
               </a:rPr>
-              <a:t>https://it-kariera.mon.bg/</a:t>
-            </a:r>
-            <a:r>
-              <a:rPr lang="en-US">
-                <a:hlinkClick r:id="rId3"/>
-              </a:rPr>
-              <a:t>e-learning/</a:t>
-            </a:r>
-            <a:endParaRPr lang="en-US" dirty="0"/>
+              <a:t>https://github.com/BG-IT-Edu/School-Programming/tree/main/Courses/Applied-Programmer/Programming-Fundamentals</a:t>
+            </a:r>
+            <a:endParaRPr lang="en-GB" sz="1800" b="1" dirty="0"/>
           </a:p>
         </p:txBody>
       </p:sp>

--- a/Courses/Applied-Programmer/Programming-Fundamentals/05-Символни-низове/23.Символни-низове-други-операции.pptx
+++ b/Courses/Applied-Programmer/Programming-Fundamentals/05-Символни-низове/23.Символни-низове-други-операции.pptx
@@ -335,7 +335,7 @@
             <a:fld id="{FE5B4EDC-59C0-49C7-8ADA-5A781B329E02}" type="datetimeFigureOut">
               <a:rPr lang="en-US"/>
               <a:pPr/>
-              <a:t>19-Nov-20</a:t>
+              <a:t>21-Nov-20</a:t>
             </a:fld>
             <a:endParaRPr dirty="0"/>
           </a:p>
@@ -633,7 +633,7 @@
             <a:fld id="{F2D8D46A-B586-417D-BFBD-8C8FE0AAF762}" type="datetimeFigureOut">
               <a:rPr lang="en-US" smtClean="0"/>
               <a:pPr/>
-              <a:t>19-Nov-20</a:t>
+              <a:t>21-Nov-20</a:t>
             </a:fld>
             <a:endParaRPr lang="en-US" dirty="0"/>
           </a:p>
@@ -5365,8 +5365,13 @@
             </a:pPr>
             <a:r>
               <a:rPr lang="ru-RU" dirty="0"/>
-              <a:t>Смяна и изтриване на поднизове</a:t>
-            </a:r>
+              <a:t>Смяна и изтриване на </a:t>
+            </a:r>
+            <a:r>
+              <a:rPr lang="ru-RU" dirty="0" err="1"/>
+              <a:t>поднизове</a:t>
+            </a:r>
+            <a:endParaRPr lang="en-US" dirty="0"/>
           </a:p>
           <a:p>
             <a:pPr marL="514350" indent="-514350">
@@ -5377,34 +5382,12 @@
               <a:buAutoNum type="arabicPeriod"/>
             </a:pPr>
             <a:r>
+              <a:rPr lang="ru-RU" dirty="0" err="1"/>
+              <a:t>Промяна</a:t>
+            </a:r>
+            <a:r>
               <a:rPr lang="ru-RU" dirty="0"/>
-              <a:t>Задача: Текстов филтър (забранени думи)</a:t>
-            </a:r>
-          </a:p>
-          <a:p>
-            <a:pPr marL="514350" indent="-514350">
-              <a:lnSpc>
-                <a:spcPct val="150000"/>
-              </a:lnSpc>
-              <a:buFont typeface="+mj-lt"/>
-              <a:buAutoNum type="arabicPeriod"/>
-            </a:pPr>
-            <a:r>
-              <a:rPr lang="ru-RU" dirty="0"/>
-              <a:t>Задача: Текстов филтър</a:t>
-            </a:r>
-          </a:p>
-          <a:p>
-            <a:pPr marL="514350" indent="-514350">
-              <a:lnSpc>
-                <a:spcPct val="150000"/>
-              </a:lnSpc>
-              <a:buFont typeface="+mj-lt"/>
-              <a:buAutoNum type="arabicPeriod"/>
-            </a:pPr>
-            <a:r>
-              <a:rPr lang="ru-RU" dirty="0"/>
-              <a:t>Промяна на капитализацията на буквите (малки/големи букви)</a:t>
+              <a:t> на капитализацията на буквите (малки/големи букви)</a:t>
             </a:r>
           </a:p>
           <a:p>
@@ -5523,6 +5506,134 @@
   <p:clrMapOvr>
     <a:masterClrMapping/>
   </p:clrMapOvr>
+  <p:timing>
+    <p:tnLst>
+      <p:par>
+        <p:cTn id="1" dur="indefinite" restart="never" nodeType="tmRoot">
+          <p:childTnLst>
+            <p:seq concurrent="1" nextAc="seek">
+              <p:cTn id="2" dur="indefinite" nodeType="mainSeq">
+                <p:childTnLst>
+                  <p:par>
+                    <p:cTn id="3" fill="hold">
+                      <p:stCondLst>
+                        <p:cond delay="indefinite"/>
+                      </p:stCondLst>
+                      <p:childTnLst>
+                        <p:par>
+                          <p:cTn id="4" fill="hold">
+                            <p:stCondLst>
+                              <p:cond delay="0"/>
+                            </p:stCondLst>
+                            <p:childTnLst>
+                              <p:par>
+                                <p:cTn id="5" presetID="1" presetClass="entr" presetSubtype="0" fill="hold" nodeType="clickEffect">
+                                  <p:stCondLst>
+                                    <p:cond delay="0"/>
+                                  </p:stCondLst>
+                                  <p:childTnLst>
+                                    <p:set>
+                                      <p:cBhvr>
+                                        <p:cTn id="6" dur="1" fill="hold">
+                                          <p:stCondLst>
+                                            <p:cond delay="0"/>
+                                          </p:stCondLst>
+                                        </p:cTn>
+                                        <p:tgtEl>
+                                          <p:spTgt spid="7">
+                                            <p:txEl>
+                                              <p:pRg st="1" end="1"/>
+                                            </p:txEl>
+                                          </p:spTgt>
+                                        </p:tgtEl>
+                                        <p:attrNameLst>
+                                          <p:attrName>style.visibility</p:attrName>
+                                        </p:attrNameLst>
+                                      </p:cBhvr>
+                                      <p:to>
+                                        <p:strVal val="visible"/>
+                                      </p:to>
+                                    </p:set>
+                                  </p:childTnLst>
+                                </p:cTn>
+                              </p:par>
+                            </p:childTnLst>
+                          </p:cTn>
+                        </p:par>
+                      </p:childTnLst>
+                    </p:cTn>
+                  </p:par>
+                  <p:par>
+                    <p:cTn id="7" fill="hold">
+                      <p:stCondLst>
+                        <p:cond delay="indefinite"/>
+                      </p:stCondLst>
+                      <p:childTnLst>
+                        <p:par>
+                          <p:cTn id="8" fill="hold">
+                            <p:stCondLst>
+                              <p:cond delay="0"/>
+                            </p:stCondLst>
+                            <p:childTnLst>
+                              <p:par>
+                                <p:cTn id="9" presetID="1" presetClass="entr" presetSubtype="0" fill="hold" nodeType="clickEffect">
+                                  <p:stCondLst>
+                                    <p:cond delay="0"/>
+                                  </p:stCondLst>
+                                  <p:childTnLst>
+                                    <p:set>
+                                      <p:cBhvr>
+                                        <p:cTn id="10" dur="1" fill="hold">
+                                          <p:stCondLst>
+                                            <p:cond delay="0"/>
+                                          </p:stCondLst>
+                                        </p:cTn>
+                                        <p:tgtEl>
+                                          <p:spTgt spid="7">
+                                            <p:txEl>
+                                              <p:pRg st="2" end="2"/>
+                                            </p:txEl>
+                                          </p:spTgt>
+                                        </p:tgtEl>
+                                        <p:attrNameLst>
+                                          <p:attrName>style.visibility</p:attrName>
+                                        </p:attrNameLst>
+                                      </p:cBhvr>
+                                      <p:to>
+                                        <p:strVal val="visible"/>
+                                      </p:to>
+                                    </p:set>
+                                  </p:childTnLst>
+                                </p:cTn>
+                              </p:par>
+                            </p:childTnLst>
+                          </p:cTn>
+                        </p:par>
+                      </p:childTnLst>
+                    </p:cTn>
+                  </p:par>
+                </p:childTnLst>
+              </p:cTn>
+              <p:prevCondLst>
+                <p:cond evt="onPrev" delay="0">
+                  <p:tgtEl>
+                    <p:sldTgt/>
+                  </p:tgtEl>
+                </p:cond>
+              </p:prevCondLst>
+              <p:nextCondLst>
+                <p:cond evt="onNext" delay="0">
+                  <p:tgtEl>
+                    <p:sldTgt/>
+                  </p:tgtEl>
+                </p:cond>
+              </p:nextCondLst>
+            </p:seq>
+          </p:childTnLst>
+        </p:cTn>
+      </p:par>
+    </p:tnLst>
+  </p:timing>
 </p:sld>
 </file>
 
@@ -5973,7 +6084,7 @@
                 <a:latin typeface="Consolas" pitchFamily="49" charset="0"/>
                 <a:cs typeface="Consolas" pitchFamily="49" charset="0"/>
               </a:rPr>
-              <a:t>string cocktail = "Vodka + Martini + Cherry";</a:t>
+              <a:t>string lemonade = “Water + Lemon + Honey";</a:t>
             </a:r>
           </a:p>
           <a:p>
@@ -6004,7 +6115,7 @@
                 <a:latin typeface="Consolas" pitchFamily="49" charset="0"/>
                 <a:cs typeface="Consolas" pitchFamily="49" charset="0"/>
               </a:rPr>
-              <a:t>string replaced = cocktail.</a:t>
+              <a:t>string replaced = lemonade.</a:t>
             </a:r>
             <a:r>
               <a:rPr lang="en-US" sz="2800" b="1" noProof="1">
@@ -6073,7 +6184,7 @@
                 <a:latin typeface="Consolas" pitchFamily="49" charset="0"/>
                 <a:cs typeface="Consolas" pitchFamily="49" charset="0"/>
               </a:rPr>
-              <a:t>// Vodka and Martini and Cherry</a:t>
+              <a:t>// Water and Lemon and Honey</a:t>
             </a:r>
           </a:p>
         </p:txBody>
@@ -7436,6 +7547,186 @@
   <p:clrMapOvr>
     <a:masterClrMapping/>
   </p:clrMapOvr>
+  <p:timing>
+    <p:tnLst>
+      <p:par>
+        <p:cTn id="1" dur="indefinite" restart="never" nodeType="tmRoot">
+          <p:childTnLst>
+            <p:seq concurrent="1" nextAc="seek">
+              <p:cTn id="2" dur="indefinite" nodeType="mainSeq">
+                <p:childTnLst>
+                  <p:par>
+                    <p:cTn id="3" fill="hold">
+                      <p:stCondLst>
+                        <p:cond delay="indefinite"/>
+                      </p:stCondLst>
+                      <p:childTnLst>
+                        <p:par>
+                          <p:cTn id="4" fill="hold">
+                            <p:stCondLst>
+                              <p:cond delay="0"/>
+                            </p:stCondLst>
+                            <p:childTnLst>
+                              <p:par>
+                                <p:cTn id="5" presetID="1" presetClass="entr" presetSubtype="0" fill="hold" grpId="0" nodeType="clickEffect">
+                                  <p:stCondLst>
+                                    <p:cond delay="0"/>
+                                  </p:stCondLst>
+                                  <p:childTnLst>
+                                    <p:set>
+                                      <p:cBhvr>
+                                        <p:cTn id="6" dur="1" fill="hold">
+                                          <p:stCondLst>
+                                            <p:cond delay="0"/>
+                                          </p:stCondLst>
+                                        </p:cTn>
+                                        <p:tgtEl>
+                                          <p:spTgt spid="7"/>
+                                        </p:tgtEl>
+                                        <p:attrNameLst>
+                                          <p:attrName>style.visibility</p:attrName>
+                                        </p:attrNameLst>
+                                      </p:cBhvr>
+                                      <p:to>
+                                        <p:strVal val="visible"/>
+                                      </p:to>
+                                    </p:set>
+                                  </p:childTnLst>
+                                </p:cTn>
+                              </p:par>
+                              <p:par>
+                                <p:cTn id="7" presetID="1" presetClass="entr" presetSubtype="0" fill="hold" grpId="0" nodeType="withEffect">
+                                  <p:stCondLst>
+                                    <p:cond delay="0"/>
+                                  </p:stCondLst>
+                                  <p:childTnLst>
+                                    <p:set>
+                                      <p:cBhvr>
+                                        <p:cTn id="8" dur="1" fill="hold">
+                                          <p:stCondLst>
+                                            <p:cond delay="0"/>
+                                          </p:stCondLst>
+                                        </p:cTn>
+                                        <p:tgtEl>
+                                          <p:spTgt spid="9"/>
+                                        </p:tgtEl>
+                                        <p:attrNameLst>
+                                          <p:attrName>style.visibility</p:attrName>
+                                        </p:attrNameLst>
+                                      </p:cBhvr>
+                                      <p:to>
+                                        <p:strVal val="visible"/>
+                                      </p:to>
+                                    </p:set>
+                                  </p:childTnLst>
+                                </p:cTn>
+                              </p:par>
+                              <p:par>
+                                <p:cTn id="9" presetID="1" presetClass="entr" presetSubtype="0" fill="hold" grpId="0" nodeType="withEffect">
+                                  <p:stCondLst>
+                                    <p:cond delay="0"/>
+                                  </p:stCondLst>
+                                  <p:childTnLst>
+                                    <p:set>
+                                      <p:cBhvr>
+                                        <p:cTn id="10" dur="1" fill="hold">
+                                          <p:stCondLst>
+                                            <p:cond delay="0"/>
+                                          </p:stCondLst>
+                                        </p:cTn>
+                                        <p:tgtEl>
+                                          <p:spTgt spid="18"/>
+                                        </p:tgtEl>
+                                        <p:attrNameLst>
+                                          <p:attrName>style.visibility</p:attrName>
+                                        </p:attrNameLst>
+                                      </p:cBhvr>
+                                      <p:to>
+                                        <p:strVal val="visible"/>
+                                      </p:to>
+                                    </p:set>
+                                  </p:childTnLst>
+                                </p:cTn>
+                              </p:par>
+                            </p:childTnLst>
+                          </p:cTn>
+                        </p:par>
+                      </p:childTnLst>
+                    </p:cTn>
+                  </p:par>
+                  <p:par>
+                    <p:cTn id="11" fill="hold">
+                      <p:stCondLst>
+                        <p:cond delay="indefinite"/>
+                      </p:stCondLst>
+                      <p:childTnLst>
+                        <p:par>
+                          <p:cTn id="12" fill="hold">
+                            <p:stCondLst>
+                              <p:cond delay="0"/>
+                            </p:stCondLst>
+                            <p:childTnLst>
+                              <p:par>
+                                <p:cTn id="13" presetID="1" presetClass="entr" presetSubtype="0" fill="hold" grpId="0" nodeType="clickEffect">
+                                  <p:stCondLst>
+                                    <p:cond delay="0"/>
+                                  </p:stCondLst>
+                                  <p:childTnLst>
+                                    <p:set>
+                                      <p:cBhvr>
+                                        <p:cTn id="14" dur="1" fill="hold">
+                                          <p:stCondLst>
+                                            <p:cond delay="0"/>
+                                          </p:stCondLst>
+                                        </p:cTn>
+                                        <p:tgtEl>
+                                          <p:spTgt spid="2"/>
+                                        </p:tgtEl>
+                                        <p:attrNameLst>
+                                          <p:attrName>style.visibility</p:attrName>
+                                        </p:attrNameLst>
+                                      </p:cBhvr>
+                                      <p:to>
+                                        <p:strVal val="visible"/>
+                                      </p:to>
+                                    </p:set>
+                                  </p:childTnLst>
+                                </p:cTn>
+                              </p:par>
+                            </p:childTnLst>
+                          </p:cTn>
+                        </p:par>
+                      </p:childTnLst>
+                    </p:cTn>
+                  </p:par>
+                </p:childTnLst>
+              </p:cTn>
+              <p:prevCondLst>
+                <p:cond evt="onPrev" delay="0">
+                  <p:tgtEl>
+                    <p:sldTgt/>
+                  </p:tgtEl>
+                </p:cond>
+              </p:prevCondLst>
+              <p:nextCondLst>
+                <p:cond evt="onNext" delay="0">
+                  <p:tgtEl>
+                    <p:sldTgt/>
+                  </p:tgtEl>
+                </p:cond>
+              </p:nextCondLst>
+            </p:seq>
+          </p:childTnLst>
+        </p:cTn>
+      </p:par>
+    </p:tnLst>
+    <p:bldLst>
+      <p:bldP spid="7" grpId="0" animBg="1"/>
+      <p:bldP spid="9" grpId="0" animBg="1"/>
+      <p:bldP spid="18" grpId="0" animBg="1"/>
+      <p:bldP spid="2" grpId="0"/>
+    </p:bldLst>
+  </p:timing>
 </p:sld>
 </file>
 
@@ -7489,7 +7780,7 @@
         </p:nvSpPr>
         <p:spPr bwMode="auto">
           <a:xfrm>
-            <a:off x="417512" y="990600"/>
+            <a:off x="414326" y="911648"/>
             <a:ext cx="11353800" cy="5565352"/>
           </a:xfrm>
           <a:prstGeom prst="rect">
@@ -8384,7 +8675,7 @@
         </p:nvSpPr>
         <p:spPr>
           <a:xfrm>
-            <a:off x="1598612" y="6477000"/>
+            <a:off x="1674812" y="6457890"/>
             <a:ext cx="8233408" cy="400110"/>
           </a:xfrm>
           <a:prstGeom prst="rect">
@@ -8923,6 +9214,51 @@
                       </p:childTnLst>
                     </p:cTn>
                   </p:par>
+                  <p:par>
+                    <p:cTn id="41" fill="hold">
+                      <p:stCondLst>
+                        <p:cond delay="indefinite"/>
+                      </p:stCondLst>
+                      <p:childTnLst>
+                        <p:par>
+                          <p:cTn id="42" fill="hold">
+                            <p:stCondLst>
+                              <p:cond delay="0"/>
+                            </p:stCondLst>
+                            <p:childTnLst>
+                              <p:par>
+                                <p:cTn id="43" presetID="1" presetClass="entr" presetSubtype="0" fill="hold" grpId="0" nodeType="clickEffect">
+                                  <p:stCondLst>
+                                    <p:cond delay="0"/>
+                                  </p:stCondLst>
+                                  <p:childTnLst>
+                                    <p:set>
+                                      <p:cBhvr>
+                                        <p:cTn id="44" dur="1" fill="hold">
+                                          <p:stCondLst>
+                                            <p:cond delay="0"/>
+                                          </p:stCondLst>
+                                        </p:cTn>
+                                        <p:tgtEl>
+                                          <p:spTgt spid="9"/>
+                                        </p:tgtEl>
+                                        <p:attrNameLst>
+                                          <p:attrName>style.visibility</p:attrName>
+                                        </p:attrNameLst>
+                                      </p:cBhvr>
+                                      <p:to>
+                                        <p:strVal val="visible"/>
+                                      </p:to>
+                                    </p:set>
+                                  </p:childTnLst>
+                                </p:cTn>
+                              </p:par>
+                            </p:childTnLst>
+                          </p:cTn>
+                        </p:par>
+                      </p:childTnLst>
+                    </p:cTn>
+                  </p:par>
                 </p:childTnLst>
               </p:cTn>
               <p:prevCondLst>
@@ -8947,6 +9283,7 @@
     <p:bldLst>
       <p:bldP spid="6" grpId="0" animBg="1"/>
       <p:bldP spid="7" grpId="0" animBg="1"/>
+      <p:bldP spid="9" grpId="0"/>
     </p:bldLst>
   </p:timing>
 </p:sld>
@@ -10807,7 +11144,7 @@
         <p:spPr>
           <a:xfrm>
             <a:off x="190413" y="1151121"/>
-            <a:ext cx="7961399" cy="4640079"/>
+            <a:ext cx="8189999" cy="4792479"/>
           </a:xfrm>
         </p:spPr>
         <p:txBody>
@@ -10816,18 +11153,6 @@
           </a:bodyPr>
           <a:lstStyle/>
           <a:p>
-            <a:pPr marL="0" indent="0">
-              <a:lnSpc>
-                <a:spcPct val="150000"/>
-              </a:lnSpc>
-              <a:buNone/>
-            </a:pPr>
-            <a:r>
-              <a:rPr lang="ru-RU" sz="3200" dirty="0"/>
-              <a:t>Можем да:</a:t>
-            </a:r>
-          </a:p>
-          <a:p>
             <a:pPr>
               <a:lnSpc>
                 <a:spcPct val="150000"/>
@@ -10835,42 +11160,65 @@
             </a:pPr>
             <a:r>
               <a:rPr lang="ru-RU" sz="3200" dirty="0"/>
-              <a:t>сменяме и изтриваме поднизове</a:t>
-            </a:r>
-          </a:p>
-          <a:p>
-            <a:pPr>
+              <a:t>Можем да:</a:t>
+            </a:r>
+          </a:p>
+          <a:p>
+            <a:pPr lvl="1">
               <a:lnSpc>
                 <a:spcPct val="150000"/>
               </a:lnSpc>
             </a:pPr>
             <a:r>
-              <a:rPr lang="ru-RU" sz="3200" dirty="0"/>
-              <a:t>да правим филтри, да обработваме текст</a:t>
-            </a:r>
-          </a:p>
-          <a:p>
-            <a:pPr>
+              <a:rPr lang="bg-BG" sz="3000" dirty="0"/>
+              <a:t>С</a:t>
+            </a:r>
+            <a:r>
+              <a:rPr lang="ru-RU" sz="3000" dirty="0" err="1"/>
+              <a:t>меняме</a:t>
+            </a:r>
+            <a:r>
+              <a:rPr lang="ru-RU" sz="3000" dirty="0"/>
+              <a:t> и изтриваме поднизове</a:t>
+            </a:r>
+          </a:p>
+          <a:p>
+            <a:pPr lvl="1">
               <a:lnSpc>
                 <a:spcPct val="150000"/>
               </a:lnSpc>
             </a:pPr>
             <a:r>
-              <a:rPr lang="ru-RU" sz="3200" dirty="0"/>
-              <a:t>променяме капитализацията на буквите </a:t>
-            </a:r>
-          </a:p>
-          <a:p>
-            <a:pPr>
+              <a:rPr lang="ru-RU" sz="3000" dirty="0"/>
+              <a:t>Правим филтри, да обработваме текст</a:t>
+            </a:r>
+          </a:p>
+          <a:p>
+            <a:pPr lvl="1">
               <a:lnSpc>
                 <a:spcPct val="150000"/>
               </a:lnSpc>
             </a:pPr>
             <a:r>
-              <a:rPr lang="bg-BG" sz="3200" dirty="0"/>
-              <a:t>оформяме празно пространство</a:t>
-            </a:r>
-            <a:endParaRPr lang="en-US" sz="3200" dirty="0"/>
+              <a:rPr lang="ru-RU" sz="3000" dirty="0" err="1"/>
+              <a:t>Променяме</a:t>
+            </a:r>
+            <a:r>
+              <a:rPr lang="ru-RU" sz="3000" dirty="0"/>
+              <a:t> капитализацията на буквите </a:t>
+            </a:r>
+          </a:p>
+          <a:p>
+            <a:pPr lvl="1">
+              <a:lnSpc>
+                <a:spcPct val="150000"/>
+              </a:lnSpc>
+            </a:pPr>
+            <a:r>
+              <a:rPr lang="bg-BG" sz="3000" dirty="0"/>
+              <a:t>Оформяме празно пространство</a:t>
+            </a:r>
+            <a:endParaRPr lang="en-US" sz="3000" dirty="0"/>
           </a:p>
           <a:p>
             <a:pPr>
@@ -11130,6 +11478,232 @@
   <p:clrMapOvr>
     <a:masterClrMapping/>
   </p:clrMapOvr>
+  <p:timing>
+    <p:tnLst>
+      <p:par>
+        <p:cTn id="1" dur="indefinite" restart="never" nodeType="tmRoot">
+          <p:childTnLst>
+            <p:seq concurrent="1" nextAc="seek">
+              <p:cTn id="2" dur="indefinite" nodeType="mainSeq">
+                <p:childTnLst>
+                  <p:par>
+                    <p:cTn id="3" fill="hold">
+                      <p:stCondLst>
+                        <p:cond delay="indefinite"/>
+                      </p:stCondLst>
+                      <p:childTnLst>
+                        <p:par>
+                          <p:cTn id="4" fill="hold">
+                            <p:stCondLst>
+                              <p:cond delay="0"/>
+                            </p:stCondLst>
+                            <p:childTnLst>
+                              <p:par>
+                                <p:cTn id="5" presetID="1" presetClass="entr" presetSubtype="0" fill="hold" nodeType="clickEffect">
+                                  <p:stCondLst>
+                                    <p:cond delay="0"/>
+                                  </p:stCondLst>
+                                  <p:childTnLst>
+                                    <p:set>
+                                      <p:cBhvr>
+                                        <p:cTn id="6" dur="1" fill="hold">
+                                          <p:stCondLst>
+                                            <p:cond delay="0"/>
+                                          </p:stCondLst>
+                                        </p:cTn>
+                                        <p:tgtEl>
+                                          <p:spTgt spid="5">
+                                            <p:txEl>
+                                              <p:pRg st="1" end="1"/>
+                                            </p:txEl>
+                                          </p:spTgt>
+                                        </p:tgtEl>
+                                        <p:attrNameLst>
+                                          <p:attrName>style.visibility</p:attrName>
+                                        </p:attrNameLst>
+                                      </p:cBhvr>
+                                      <p:to>
+                                        <p:strVal val="visible"/>
+                                      </p:to>
+                                    </p:set>
+                                  </p:childTnLst>
+                                </p:cTn>
+                              </p:par>
+                            </p:childTnLst>
+                          </p:cTn>
+                        </p:par>
+                      </p:childTnLst>
+                    </p:cTn>
+                  </p:par>
+                  <p:par>
+                    <p:cTn id="7" fill="hold">
+                      <p:stCondLst>
+                        <p:cond delay="indefinite"/>
+                      </p:stCondLst>
+                      <p:childTnLst>
+                        <p:par>
+                          <p:cTn id="8" fill="hold">
+                            <p:stCondLst>
+                              <p:cond delay="0"/>
+                            </p:stCondLst>
+                            <p:childTnLst>
+                              <p:par>
+                                <p:cTn id="9" presetID="1" presetClass="entr" presetSubtype="0" fill="hold" nodeType="clickEffect">
+                                  <p:stCondLst>
+                                    <p:cond delay="0"/>
+                                  </p:stCondLst>
+                                  <p:childTnLst>
+                                    <p:set>
+                                      <p:cBhvr>
+                                        <p:cTn id="10" dur="1" fill="hold">
+                                          <p:stCondLst>
+                                            <p:cond delay="0"/>
+                                          </p:stCondLst>
+                                        </p:cTn>
+                                        <p:tgtEl>
+                                          <p:spTgt spid="5">
+                                            <p:txEl>
+                                              <p:pRg st="2" end="2"/>
+                                            </p:txEl>
+                                          </p:spTgt>
+                                        </p:tgtEl>
+                                        <p:attrNameLst>
+                                          <p:attrName>style.visibility</p:attrName>
+                                        </p:attrNameLst>
+                                      </p:cBhvr>
+                                      <p:to>
+                                        <p:strVal val="visible"/>
+                                      </p:to>
+                                    </p:set>
+                                  </p:childTnLst>
+                                </p:cTn>
+                              </p:par>
+                            </p:childTnLst>
+                          </p:cTn>
+                        </p:par>
+                      </p:childTnLst>
+                    </p:cTn>
+                  </p:par>
+                  <p:par>
+                    <p:cTn id="11" fill="hold">
+                      <p:stCondLst>
+                        <p:cond delay="indefinite"/>
+                      </p:stCondLst>
+                      <p:childTnLst>
+                        <p:par>
+                          <p:cTn id="12" fill="hold">
+                            <p:stCondLst>
+                              <p:cond delay="0"/>
+                            </p:stCondLst>
+                            <p:childTnLst>
+                              <p:par>
+                                <p:cTn id="13" presetID="1" presetClass="entr" presetSubtype="0" fill="hold" nodeType="clickEffect">
+                                  <p:stCondLst>
+                                    <p:cond delay="0"/>
+                                  </p:stCondLst>
+                                  <p:childTnLst>
+                                    <p:set>
+                                      <p:cBhvr>
+                                        <p:cTn id="14" dur="1" fill="hold">
+                                          <p:stCondLst>
+                                            <p:cond delay="0"/>
+                                          </p:stCondLst>
+                                        </p:cTn>
+                                        <p:tgtEl>
+                                          <p:spTgt spid="5">
+                                            <p:txEl>
+                                              <p:pRg st="3" end="3"/>
+                                            </p:txEl>
+                                          </p:spTgt>
+                                        </p:tgtEl>
+                                        <p:attrNameLst>
+                                          <p:attrName>style.visibility</p:attrName>
+                                        </p:attrNameLst>
+                                      </p:cBhvr>
+                                      <p:to>
+                                        <p:strVal val="visible"/>
+                                      </p:to>
+                                    </p:set>
+                                  </p:childTnLst>
+                                </p:cTn>
+                              </p:par>
+                            </p:childTnLst>
+                          </p:cTn>
+                        </p:par>
+                      </p:childTnLst>
+                    </p:cTn>
+                  </p:par>
+                  <p:par>
+                    <p:cTn id="15" fill="hold">
+                      <p:stCondLst>
+                        <p:cond delay="indefinite"/>
+                      </p:stCondLst>
+                      <p:childTnLst>
+                        <p:par>
+                          <p:cTn id="16" fill="hold">
+                            <p:stCondLst>
+                              <p:cond delay="0"/>
+                            </p:stCondLst>
+                            <p:childTnLst>
+                              <p:par>
+                                <p:cTn id="17" presetID="1" presetClass="entr" presetSubtype="0" fill="hold" nodeType="clickEffect">
+                                  <p:stCondLst>
+                                    <p:cond delay="0"/>
+                                  </p:stCondLst>
+                                  <p:childTnLst>
+                                    <p:set>
+                                      <p:cBhvr>
+                                        <p:cTn id="18" dur="1" fill="hold">
+                                          <p:stCondLst>
+                                            <p:cond delay="0"/>
+                                          </p:stCondLst>
+                                        </p:cTn>
+                                        <p:tgtEl>
+                                          <p:spTgt spid="5">
+                                            <p:txEl>
+                                              <p:pRg st="4" end="4"/>
+                                            </p:txEl>
+                                          </p:spTgt>
+                                        </p:tgtEl>
+                                        <p:attrNameLst>
+                                          <p:attrName>style.visibility</p:attrName>
+                                        </p:attrNameLst>
+                                      </p:cBhvr>
+                                      <p:to>
+                                        <p:strVal val="visible"/>
+                                      </p:to>
+                                    </p:set>
+                                  </p:childTnLst>
+                                </p:cTn>
+                              </p:par>
+                            </p:childTnLst>
+                          </p:cTn>
+                        </p:par>
+                      </p:childTnLst>
+                    </p:cTn>
+                  </p:par>
+                </p:childTnLst>
+              </p:cTn>
+              <p:prevCondLst>
+                <p:cond evt="onPrev" delay="0">
+                  <p:tgtEl>
+                    <p:sldTgt/>
+                  </p:tgtEl>
+                </p:cond>
+              </p:prevCondLst>
+              <p:nextCondLst>
+                <p:cond evt="onNext" delay="0">
+                  <p:tgtEl>
+                    <p:sldTgt/>
+                  </p:tgtEl>
+                </p:cond>
+              </p:nextCondLst>
+            </p:seq>
+          </p:childTnLst>
+        </p:cTn>
+      </p:par>
+    </p:tnLst>
+  </p:timing>
 </p:sld>
 </file>
 
